--- a/피피티.pptx
+++ b/피피티.pptx
@@ -4628,8 +4628,8 @@
         </p:blipFill>
         <p:spPr>
           <a:xfrm>
-            <a:off x="6504" y="1340768"/>
-            <a:ext cx="9144000" cy="3919740"/>
+            <a:off x="6504" y="1484784"/>
+            <a:ext cx="9144000" cy="4896544"/>
           </a:xfrm>
           <a:prstGeom prst="rect">
             <a:avLst/>
@@ -6565,6 +6565,36 @@
           </a:p>
         </p:txBody>
       </p:sp>
+      <p:pic>
+        <p:nvPicPr>
+          <p:cNvPr id="2" name="그림 1">
+            <a:extLst>
+              <a:ext uri="{FF2B5EF4-FFF2-40B4-BE49-F238E27FC236}">
+                <a16:creationId xmlns:a16="http://schemas.microsoft.com/office/drawing/2014/main" id="{012FB95C-54AF-49BB-B6F1-CE2EF6A3A2C7}"/>
+              </a:ext>
+            </a:extLst>
+          </p:cNvPr>
+          <p:cNvPicPr>
+            <a:picLocks noChangeAspect="1"/>
+          </p:cNvPicPr>
+          <p:nvPr/>
+        </p:nvPicPr>
+        <p:blipFill>
+          <a:blip r:embed="rId2"/>
+          <a:stretch>
+            <a:fillRect/>
+          </a:stretch>
+        </p:blipFill>
+        <p:spPr>
+          <a:xfrm>
+            <a:off x="539552" y="1196752"/>
+            <a:ext cx="7920880" cy="5324475"/>
+          </a:xfrm>
+          <a:prstGeom prst="rect">
+            <a:avLst/>
+          </a:prstGeom>
+        </p:spPr>
+      </p:pic>
     </p:spTree>
     <p:extLst>
       <p:ext uri="{BB962C8B-B14F-4D97-AF65-F5344CB8AC3E}">

--- a/피피티.pptx
+++ b/피피티.pptx
@@ -6651,6 +6651,36 @@
           </a:p>
         </p:txBody>
       </p:sp>
+      <p:pic>
+        <p:nvPicPr>
+          <p:cNvPr id="5" name="그림 4">
+            <a:extLst>
+              <a:ext uri="{FF2B5EF4-FFF2-40B4-BE49-F238E27FC236}">
+                <a16:creationId xmlns:a16="http://schemas.microsoft.com/office/drawing/2014/main" id="{FFA5D351-5B33-41BC-82FF-D96E0675BD9D}"/>
+              </a:ext>
+            </a:extLst>
+          </p:cNvPr>
+          <p:cNvPicPr>
+            <a:picLocks noChangeAspect="1"/>
+          </p:cNvPicPr>
+          <p:nvPr/>
+        </p:nvPicPr>
+        <p:blipFill>
+          <a:blip r:embed="rId2"/>
+          <a:stretch>
+            <a:fillRect/>
+          </a:stretch>
+        </p:blipFill>
+        <p:spPr>
+          <a:xfrm>
+            <a:off x="1403648" y="1916832"/>
+            <a:ext cx="6000750" cy="3590925"/>
+          </a:xfrm>
+          <a:prstGeom prst="rect">
+            <a:avLst/>
+          </a:prstGeom>
+        </p:spPr>
+      </p:pic>
     </p:spTree>
     <p:extLst>
       <p:ext uri="{BB962C8B-B14F-4D97-AF65-F5344CB8AC3E}">

--- a/피피티.pptx
+++ b/피피티.pptx
@@ -6366,7 +6366,15 @@
             </a:r>
             <a:r>
               <a:rPr lang="ko-KR" altLang="en-US" dirty="0"/>
-              <a:t>요구사항</a:t>
+              <a:t>요구사항 </a:t>
+            </a:r>
+            <a:r>
+              <a:rPr lang="en-US" altLang="ko-KR" dirty="0"/>
+              <a:t>&amp; </a:t>
+            </a:r>
+            <a:r>
+              <a:rPr lang="ko-KR" altLang="en-US" dirty="0"/>
+              <a:t>요구추출</a:t>
             </a:r>
           </a:p>
         </p:txBody>
@@ -6412,15 +6420,7 @@
           <a:p>
             <a:r>
               <a:rPr lang="ko-KR" altLang="en-US" dirty="0"/>
-              <a:t>직원관리(직원 근태 현황 조회, </a:t>
-            </a:r>
-            <a:r>
-              <a:rPr lang="ko-KR" altLang="en-US" dirty="0" err="1"/>
-              <a:t>알바시간,알바비용,시급</a:t>
-            </a:r>
-            <a:r>
-              <a:rPr lang="ko-KR" altLang="en-US" dirty="0"/>
-              <a:t>)</a:t>
+              <a:t>직원관리(직원 근태 현황 조회, 알바시간, 알바비용, 시급)</a:t>
             </a:r>
           </a:p>
           <a:p>
@@ -6430,17 +6430,17 @@
             </a:r>
             <a:r>
               <a:rPr lang="ko-KR" altLang="en-US" dirty="0" err="1"/>
-              <a:t>업주명,사업자번호,주소,전화번호관리,비밀번호관리</a:t>
+              <a:t>업주명</a:t>
             </a:r>
             <a:r>
               <a:rPr lang="ko-KR" altLang="en-US" dirty="0"/>
-              <a:t>)</a:t>
+              <a:t>, 사업자번호, 주소, 전화번호관리, 비밀번호관리)</a:t>
             </a:r>
           </a:p>
           <a:p>
             <a:r>
               <a:rPr lang="ko-KR" altLang="en-US" dirty="0"/>
-              <a:t>영수능에 매장명, 사업자번호, 주소, 전화번호가 출력될 수 있어야함. (+</a:t>
+              <a:t>영수증에 매장명, 사업자번호, 주소, 전화번호가 출력될 수 있어야함. (+</a:t>
             </a:r>
             <a:r>
               <a:rPr lang="ko-KR" altLang="en-US" dirty="0" err="1"/>
@@ -6509,6 +6509,36 @@
           </a:p>
         </p:txBody>
       </p:sp>
+      <p:pic>
+        <p:nvPicPr>
+          <p:cNvPr id="2" name="그림 1">
+            <a:extLst>
+              <a:ext uri="{FF2B5EF4-FFF2-40B4-BE49-F238E27FC236}">
+                <a16:creationId xmlns:a16="http://schemas.microsoft.com/office/drawing/2014/main" id="{344A422B-1041-434D-B15F-CD342F9C7D54}"/>
+              </a:ext>
+            </a:extLst>
+          </p:cNvPr>
+          <p:cNvPicPr>
+            <a:picLocks noChangeAspect="1"/>
+          </p:cNvPicPr>
+          <p:nvPr/>
+        </p:nvPicPr>
+        <p:blipFill>
+          <a:blip r:embed="rId2"/>
+          <a:stretch>
+            <a:fillRect/>
+          </a:stretch>
+        </p:blipFill>
+        <p:spPr>
+          <a:xfrm>
+            <a:off x="0" y="1793288"/>
+            <a:ext cx="9144000" cy="3939967"/>
+          </a:xfrm>
+          <a:prstGeom prst="rect">
+            <a:avLst/>
+          </a:prstGeom>
+        </p:spPr>
+      </p:pic>
     </p:spTree>
     <p:extLst>
       <p:ext uri="{BB962C8B-B14F-4D97-AF65-F5344CB8AC3E}">

--- a/피피티.pptx
+++ b/피피티.pptx
@@ -4628,8 +4628,8 @@
         </p:blipFill>
         <p:spPr>
           <a:xfrm>
-            <a:off x="6504" y="1340768"/>
-            <a:ext cx="9144000" cy="3919740"/>
+            <a:off x="6504" y="1484784"/>
+            <a:ext cx="9144000" cy="4896544"/>
           </a:xfrm>
           <a:prstGeom prst="rect">
             <a:avLst/>
@@ -6366,7 +6366,15 @@
             </a:r>
             <a:r>
               <a:rPr lang="ko-KR" altLang="en-US" dirty="0"/>
-              <a:t>요구사항</a:t>
+              <a:t>요구사항 </a:t>
+            </a:r>
+            <a:r>
+              <a:rPr lang="en-US" altLang="ko-KR" dirty="0"/>
+              <a:t>&amp; </a:t>
+            </a:r>
+            <a:r>
+              <a:rPr lang="ko-KR" altLang="en-US" dirty="0"/>
+              <a:t>요구추출</a:t>
             </a:r>
           </a:p>
         </p:txBody>
@@ -6412,44 +6420,401 @@
           <a:p>
             <a:r>
               <a:rPr lang="ko-KR" altLang="en-US" dirty="0"/>
-              <a:t>직원관리(직원 근태 현황 조회, </a:t>
+              <a:t>직원관리(직원 근태 현황 조회, 알바시간, 알바비용, 시급)</a:t>
+            </a:r>
+          </a:p>
+          <a:p>
+            <a:r>
+              <a:rPr lang="ko-KR" altLang="en-US" dirty="0"/>
+              <a:t>환경설정(매장명 ,</a:t>
             </a:r>
             <a:r>
               <a:rPr lang="ko-KR" altLang="en-US" dirty="0" err="1"/>
-              <a:t>알바시간,알바비용,시급</a:t>
+              <a:t>업주명</a:t>
+            </a:r>
+            <a:r>
+              <a:rPr lang="ko-KR" altLang="en-US" dirty="0"/>
+              <a:t>, 사업자번호, 주소, 전화번호관리, 비밀번호관리)</a:t>
+            </a:r>
+          </a:p>
+          <a:p>
+            <a:r>
+              <a:rPr lang="ko-KR" altLang="en-US" dirty="0"/>
+              <a:t>영수증에 매장명, 사업자번호, 주소, 전화번호가 출력될 수 있어야함. (+</a:t>
+            </a:r>
+            <a:r>
+              <a:rPr lang="ko-KR" altLang="en-US" dirty="0" err="1"/>
+              <a:t>preview</a:t>
             </a:r>
             <a:r>
               <a:rPr lang="ko-KR" altLang="en-US" dirty="0"/>
               <a:t>)</a:t>
             </a:r>
           </a:p>
-          <a:p>
+        </p:txBody>
+      </p:sp>
+      <p:sp>
+        <p:nvSpPr>
+          <p:cNvPr id="2" name="타원 1">
+            <a:extLst>
+              <a:ext uri="{FF2B5EF4-FFF2-40B4-BE49-F238E27FC236}">
+                <a16:creationId xmlns:a16="http://schemas.microsoft.com/office/drawing/2014/main" id="{639C0452-B57C-4C2F-B6EA-D44EE08C8BB4}"/>
+              </a:ext>
+            </a:extLst>
+          </p:cNvPr>
+          <p:cNvSpPr/>
+          <p:nvPr/>
+        </p:nvSpPr>
+        <p:spPr>
+          <a:xfrm>
+            <a:off x="3491880" y="5373216"/>
+            <a:ext cx="1800200" cy="1080120"/>
+          </a:xfrm>
+          <a:prstGeom prst="ellipse">
+            <a:avLst/>
+          </a:prstGeom>
+        </p:spPr>
+        <p:style>
+          <a:lnRef idx="2">
+            <a:schemeClr val="accent1">
+              <a:shade val="50000"/>
+            </a:schemeClr>
+          </a:lnRef>
+          <a:fillRef idx="1">
+            <a:schemeClr val="accent1"/>
+          </a:fillRef>
+          <a:effectRef idx="0">
+            <a:schemeClr val="accent1"/>
+          </a:effectRef>
+          <a:fontRef idx="minor">
+            <a:schemeClr val="lt1"/>
+          </a:fontRef>
+        </p:style>
+        <p:txBody>
+          <a:bodyPr rtlCol="0" anchor="ctr"/>
+          <a:lstStyle/>
+          <a:p>
+            <a:pPr algn="ctr"/>
             <a:r>
               <a:rPr lang="ko-KR" altLang="en-US" dirty="0"/>
-              <a:t>환경설정(매장명 ,</a:t>
-            </a:r>
-            <a:r>
-              <a:rPr lang="ko-KR" altLang="en-US" dirty="0" err="1"/>
-              <a:t>업주명,사업자번호,주소,전화번호관리,비밀번호관리</a:t>
-            </a:r>
+              <a:t>요구추출</a:t>
+            </a:r>
+          </a:p>
+        </p:txBody>
+      </p:sp>
+      <p:sp>
+        <p:nvSpPr>
+          <p:cNvPr id="5" name="타원 4">
+            <a:extLst>
+              <a:ext uri="{FF2B5EF4-FFF2-40B4-BE49-F238E27FC236}">
+                <a16:creationId xmlns:a16="http://schemas.microsoft.com/office/drawing/2014/main" id="{B7C1633D-F98B-495D-911D-C54FC860989F}"/>
+              </a:ext>
+            </a:extLst>
+          </p:cNvPr>
+          <p:cNvSpPr/>
+          <p:nvPr/>
+        </p:nvSpPr>
+        <p:spPr>
+          <a:xfrm>
+            <a:off x="6288372" y="3987874"/>
+            <a:ext cx="2664296" cy="1080120"/>
+          </a:xfrm>
+          <a:prstGeom prst="ellipse">
+            <a:avLst/>
+          </a:prstGeom>
+          <a:solidFill>
+            <a:schemeClr val="bg1">
+              <a:lumMod val="75000"/>
+            </a:schemeClr>
+          </a:solidFill>
+        </p:spPr>
+        <p:style>
+          <a:lnRef idx="2">
+            <a:schemeClr val="accent1">
+              <a:shade val="50000"/>
+            </a:schemeClr>
+          </a:lnRef>
+          <a:fillRef idx="1">
+            <a:schemeClr val="accent1"/>
+          </a:fillRef>
+          <a:effectRef idx="0">
+            <a:schemeClr val="accent1"/>
+          </a:effectRef>
+          <a:fontRef idx="minor">
+            <a:schemeClr val="lt1"/>
+          </a:fontRef>
+        </p:style>
+        <p:txBody>
+          <a:bodyPr rtlCol="0" anchor="ctr"/>
+          <a:lstStyle/>
+          <a:p>
+            <a:pPr algn="ctr"/>
             <a:r>
               <a:rPr lang="ko-KR" altLang="en-US" dirty="0"/>
-              <a:t>)</a:t>
-            </a:r>
-          </a:p>
-          <a:p>
+              <a:t>상품의 표준화로 </a:t>
+            </a:r>
+            <a:endParaRPr lang="en-US" altLang="ko-KR" dirty="0"/>
+          </a:p>
+          <a:p>
+            <a:pPr algn="ctr"/>
             <a:r>
               <a:rPr lang="ko-KR" altLang="en-US" dirty="0"/>
-              <a:t>영수능에 매장명, 사업자번호, 주소, 전화번호가 출력될 수 있어야함. (+</a:t>
-            </a:r>
-            <a:r>
-              <a:rPr lang="ko-KR" altLang="en-US" dirty="0" err="1"/>
-              <a:t>preview</a:t>
-            </a:r>
+              <a:t>매장관리 용이</a:t>
+            </a:r>
+          </a:p>
+        </p:txBody>
+      </p:sp>
+      <p:sp>
+        <p:nvSpPr>
+          <p:cNvPr id="6" name="타원 5">
+            <a:extLst>
+              <a:ext uri="{FF2B5EF4-FFF2-40B4-BE49-F238E27FC236}">
+                <a16:creationId xmlns:a16="http://schemas.microsoft.com/office/drawing/2014/main" id="{6FAE4DDA-A055-47F0-A746-EA3DD7D49DC7}"/>
+              </a:ext>
+            </a:extLst>
+          </p:cNvPr>
+          <p:cNvSpPr/>
+          <p:nvPr/>
+        </p:nvSpPr>
+        <p:spPr>
+          <a:xfrm>
+            <a:off x="212056" y="4005064"/>
+            <a:ext cx="2376265" cy="1080120"/>
+          </a:xfrm>
+          <a:prstGeom prst="ellipse">
+            <a:avLst/>
+          </a:prstGeom>
+          <a:solidFill>
+            <a:schemeClr val="bg1">
+              <a:lumMod val="75000"/>
+            </a:schemeClr>
+          </a:solidFill>
+        </p:spPr>
+        <p:style>
+          <a:lnRef idx="2">
+            <a:schemeClr val="accent1">
+              <a:shade val="50000"/>
+            </a:schemeClr>
+          </a:lnRef>
+          <a:fillRef idx="1">
+            <a:schemeClr val="accent1"/>
+          </a:fillRef>
+          <a:effectRef idx="0">
+            <a:schemeClr val="accent1"/>
+          </a:effectRef>
+          <a:fontRef idx="minor">
+            <a:schemeClr val="lt1"/>
+          </a:fontRef>
+        </p:style>
+        <p:txBody>
+          <a:bodyPr rtlCol="0" anchor="ctr"/>
+          <a:lstStyle/>
+          <a:p>
+            <a:pPr algn="ctr"/>
             <a:r>
               <a:rPr lang="ko-KR" altLang="en-US" dirty="0"/>
-              <a:t>)</a:t>
-            </a:r>
+              <a:t>매출 분석 및 </a:t>
+            </a:r>
+            <a:endParaRPr lang="en-US" altLang="ko-KR" dirty="0"/>
+          </a:p>
+          <a:p>
+            <a:pPr algn="ctr"/>
+            <a:r>
+              <a:rPr lang="ko-KR" altLang="en-US" dirty="0"/>
+              <a:t>재고관리 가능</a:t>
+            </a:r>
+          </a:p>
+        </p:txBody>
+      </p:sp>
+      <p:sp>
+        <p:nvSpPr>
+          <p:cNvPr id="7" name="타원 6">
+            <a:extLst>
+              <a:ext uri="{FF2B5EF4-FFF2-40B4-BE49-F238E27FC236}">
+                <a16:creationId xmlns:a16="http://schemas.microsoft.com/office/drawing/2014/main" id="{DE1C47D5-B07E-4142-8A11-B9CA67E19A16}"/>
+              </a:ext>
+            </a:extLst>
+          </p:cNvPr>
+          <p:cNvSpPr/>
+          <p:nvPr/>
+        </p:nvSpPr>
+        <p:spPr>
+          <a:xfrm>
+            <a:off x="3455876" y="2959785"/>
+            <a:ext cx="1872208" cy="1080120"/>
+          </a:xfrm>
+          <a:prstGeom prst="ellipse">
+            <a:avLst/>
+          </a:prstGeom>
+          <a:solidFill>
+            <a:schemeClr val="bg1">
+              <a:lumMod val="75000"/>
+            </a:schemeClr>
+          </a:solidFill>
+        </p:spPr>
+        <p:style>
+          <a:lnRef idx="2">
+            <a:schemeClr val="accent1">
+              <a:shade val="50000"/>
+            </a:schemeClr>
+          </a:lnRef>
+          <a:fillRef idx="1">
+            <a:schemeClr val="accent1"/>
+          </a:fillRef>
+          <a:effectRef idx="0">
+            <a:schemeClr val="accent1"/>
+          </a:effectRef>
+          <a:fontRef idx="minor">
+            <a:schemeClr val="lt1"/>
+          </a:fontRef>
+        </p:style>
+        <p:txBody>
+          <a:bodyPr rtlCol="0" anchor="ctr"/>
+          <a:lstStyle/>
+          <a:p>
+            <a:pPr algn="ctr"/>
+            <a:r>
+              <a:rPr lang="ko-KR" altLang="en-US" dirty="0"/>
+              <a:t>효율적인 인력관리</a:t>
+            </a:r>
+          </a:p>
+        </p:txBody>
+      </p:sp>
+      <p:sp>
+        <p:nvSpPr>
+          <p:cNvPr id="9" name="화살표: 오른쪽 8">
+            <a:extLst>
+              <a:ext uri="{FF2B5EF4-FFF2-40B4-BE49-F238E27FC236}">
+                <a16:creationId xmlns:a16="http://schemas.microsoft.com/office/drawing/2014/main" id="{6A0A5826-847D-4889-B29A-1307E4ED3843}"/>
+              </a:ext>
+            </a:extLst>
+          </p:cNvPr>
+          <p:cNvSpPr/>
+          <p:nvPr/>
+        </p:nvSpPr>
+        <p:spPr>
+          <a:xfrm rot="1815405">
+            <a:off x="2605955" y="4676849"/>
+            <a:ext cx="684076" cy="756084"/>
+          </a:xfrm>
+          <a:prstGeom prst="rightArrow">
+            <a:avLst/>
+          </a:prstGeom>
+        </p:spPr>
+        <p:style>
+          <a:lnRef idx="2">
+            <a:schemeClr val="accent1">
+              <a:shade val="50000"/>
+            </a:schemeClr>
+          </a:lnRef>
+          <a:fillRef idx="1">
+            <a:schemeClr val="accent1"/>
+          </a:fillRef>
+          <a:effectRef idx="0">
+            <a:schemeClr val="accent1"/>
+          </a:effectRef>
+          <a:fontRef idx="minor">
+            <a:schemeClr val="lt1"/>
+          </a:fontRef>
+        </p:style>
+        <p:txBody>
+          <a:bodyPr rtlCol="0" anchor="ctr"/>
+          <a:lstStyle/>
+          <a:p>
+            <a:pPr algn="ctr"/>
+            <a:endParaRPr lang="ko-KR" altLang="en-US"/>
+          </a:p>
+        </p:txBody>
+      </p:sp>
+      <p:sp>
+        <p:nvSpPr>
+          <p:cNvPr id="10" name="화살표: 오른쪽 9">
+            <a:extLst>
+              <a:ext uri="{FF2B5EF4-FFF2-40B4-BE49-F238E27FC236}">
+                <a16:creationId xmlns:a16="http://schemas.microsoft.com/office/drawing/2014/main" id="{14122EA2-1C5C-4062-A7AD-F03BBE4A1BEF}"/>
+              </a:ext>
+            </a:extLst>
+          </p:cNvPr>
+          <p:cNvSpPr/>
+          <p:nvPr/>
+        </p:nvSpPr>
+        <p:spPr>
+          <a:xfrm rot="5400000">
+            <a:off x="4010358" y="4208254"/>
+            <a:ext cx="684076" cy="756084"/>
+          </a:xfrm>
+          <a:prstGeom prst="rightArrow">
+            <a:avLst/>
+          </a:prstGeom>
+        </p:spPr>
+        <p:style>
+          <a:lnRef idx="2">
+            <a:schemeClr val="accent1">
+              <a:shade val="50000"/>
+            </a:schemeClr>
+          </a:lnRef>
+          <a:fillRef idx="1">
+            <a:schemeClr val="accent1"/>
+          </a:fillRef>
+          <a:effectRef idx="0">
+            <a:schemeClr val="accent1"/>
+          </a:effectRef>
+          <a:fontRef idx="minor">
+            <a:schemeClr val="lt1"/>
+          </a:fontRef>
+        </p:style>
+        <p:txBody>
+          <a:bodyPr rtlCol="0" anchor="ctr"/>
+          <a:lstStyle/>
+          <a:p>
+            <a:pPr algn="ctr"/>
+            <a:endParaRPr lang="ko-KR" altLang="en-US"/>
+          </a:p>
+        </p:txBody>
+      </p:sp>
+      <p:sp>
+        <p:nvSpPr>
+          <p:cNvPr id="11" name="화살표: 오른쪽 10">
+            <a:extLst>
+              <a:ext uri="{FF2B5EF4-FFF2-40B4-BE49-F238E27FC236}">
+                <a16:creationId xmlns:a16="http://schemas.microsoft.com/office/drawing/2014/main" id="{881BF764-9489-440C-A31D-C1F386B23D11}"/>
+              </a:ext>
+            </a:extLst>
+          </p:cNvPr>
+          <p:cNvSpPr/>
+          <p:nvPr/>
+        </p:nvSpPr>
+        <p:spPr>
+          <a:xfrm rot="8395792">
+            <a:off x="5584139" y="4724470"/>
+            <a:ext cx="684076" cy="756084"/>
+          </a:xfrm>
+          <a:prstGeom prst="rightArrow">
+            <a:avLst/>
+          </a:prstGeom>
+        </p:spPr>
+        <p:style>
+          <a:lnRef idx="2">
+            <a:schemeClr val="accent1">
+              <a:shade val="50000"/>
+            </a:schemeClr>
+          </a:lnRef>
+          <a:fillRef idx="1">
+            <a:schemeClr val="accent1"/>
+          </a:fillRef>
+          <a:effectRef idx="0">
+            <a:schemeClr val="accent1"/>
+          </a:effectRef>
+          <a:fontRef idx="minor">
+            <a:schemeClr val="lt1"/>
+          </a:fontRef>
+        </p:style>
+        <p:txBody>
+          <a:bodyPr rtlCol="0" anchor="ctr"/>
+          <a:lstStyle/>
+          <a:p>
+            <a:pPr algn="ctr"/>
+            <a:endParaRPr lang="ko-KR" altLang="en-US"/>
           </a:p>
         </p:txBody>
       </p:sp>
@@ -6509,6 +6874,36 @@
           </a:p>
         </p:txBody>
       </p:sp>
+      <p:pic>
+        <p:nvPicPr>
+          <p:cNvPr id="2" name="그림 1">
+            <a:extLst>
+              <a:ext uri="{FF2B5EF4-FFF2-40B4-BE49-F238E27FC236}">
+                <a16:creationId xmlns:a16="http://schemas.microsoft.com/office/drawing/2014/main" id="{344A422B-1041-434D-B15F-CD342F9C7D54}"/>
+              </a:ext>
+            </a:extLst>
+          </p:cNvPr>
+          <p:cNvPicPr>
+            <a:picLocks noChangeAspect="1"/>
+          </p:cNvPicPr>
+          <p:nvPr/>
+        </p:nvPicPr>
+        <p:blipFill>
+          <a:blip r:embed="rId2"/>
+          <a:stretch>
+            <a:fillRect/>
+          </a:stretch>
+        </p:blipFill>
+        <p:spPr>
+          <a:xfrm>
+            <a:off x="0" y="1793288"/>
+            <a:ext cx="9144000" cy="3939967"/>
+          </a:xfrm>
+          <a:prstGeom prst="rect">
+            <a:avLst/>
+          </a:prstGeom>
+        </p:spPr>
+      </p:pic>
     </p:spTree>
     <p:extLst>
       <p:ext uri="{BB962C8B-B14F-4D97-AF65-F5344CB8AC3E}">
@@ -6565,6 +6960,36 @@
           </a:p>
         </p:txBody>
       </p:sp>
+      <p:pic>
+        <p:nvPicPr>
+          <p:cNvPr id="2" name="그림 1">
+            <a:extLst>
+              <a:ext uri="{FF2B5EF4-FFF2-40B4-BE49-F238E27FC236}">
+                <a16:creationId xmlns:a16="http://schemas.microsoft.com/office/drawing/2014/main" id="{012FB95C-54AF-49BB-B6F1-CE2EF6A3A2C7}"/>
+              </a:ext>
+            </a:extLst>
+          </p:cNvPr>
+          <p:cNvPicPr>
+            <a:picLocks noChangeAspect="1"/>
+          </p:cNvPicPr>
+          <p:nvPr/>
+        </p:nvPicPr>
+        <p:blipFill>
+          <a:blip r:embed="rId2"/>
+          <a:stretch>
+            <a:fillRect/>
+          </a:stretch>
+        </p:blipFill>
+        <p:spPr>
+          <a:xfrm>
+            <a:off x="539552" y="1196752"/>
+            <a:ext cx="7920880" cy="5324475"/>
+          </a:xfrm>
+          <a:prstGeom prst="rect">
+            <a:avLst/>
+          </a:prstGeom>
+        </p:spPr>
+      </p:pic>
     </p:spTree>
     <p:extLst>
       <p:ext uri="{BB962C8B-B14F-4D97-AF65-F5344CB8AC3E}">

--- a/피피티.pptx
+++ b/피피티.pptx
@@ -725,7 +725,7 @@
           <a:p>
             <a:fld id="{18DCCD61-643D-44A5-A450-3A42A50CBC1E}" type="datetimeFigureOut">
               <a:rPr lang="en-US" smtClean="0"/>
-              <a:t>1/3/2018</a:t>
+              <a:t>1/4/2018</a:t>
             </a:fld>
             <a:endParaRPr lang="en-US"/>
           </a:p>
@@ -1000,7 +1000,7 @@
           <a:p>
             <a:fld id="{18DCCD61-643D-44A5-A450-3A42A50CBC1E}" type="datetimeFigureOut">
               <a:rPr lang="en-US" smtClean="0"/>
-              <a:t>1/3/2018</a:t>
+              <a:t>1/4/2018</a:t>
             </a:fld>
             <a:endParaRPr lang="en-US"/>
           </a:p>
@@ -1252,7 +1252,7 @@
           <a:p>
             <a:fld id="{18DCCD61-643D-44A5-A450-3A42A50CBC1E}" type="datetimeFigureOut">
               <a:rPr lang="en-US" smtClean="0"/>
-              <a:t>1/3/2018</a:t>
+              <a:t>1/4/2018</a:t>
             </a:fld>
             <a:endParaRPr lang="en-US"/>
           </a:p>
@@ -1420,7 +1420,7 @@
           <a:p>
             <a:fld id="{18DCCD61-643D-44A5-A450-3A42A50CBC1E}" type="datetimeFigureOut">
               <a:rPr lang="en-US" smtClean="0"/>
-              <a:t>1/3/2018</a:t>
+              <a:t>1/4/2018</a:t>
             </a:fld>
             <a:endParaRPr lang="en-US"/>
           </a:p>
@@ -1598,7 +1598,7 @@
           <a:p>
             <a:fld id="{18DCCD61-643D-44A5-A450-3A42A50CBC1E}" type="datetimeFigureOut">
               <a:rPr lang="en-US" smtClean="0"/>
-              <a:t>1/3/2018</a:t>
+              <a:t>1/4/2018</a:t>
             </a:fld>
             <a:endParaRPr lang="en-US"/>
           </a:p>
@@ -2186,7 +2186,7 @@
           <a:p>
             <a:fld id="{18DCCD61-643D-44A5-A450-3A42A50CBC1E}" type="datetimeFigureOut">
               <a:rPr lang="en-US" smtClean="0"/>
-              <a:t>1/3/2018</a:t>
+              <a:t>1/4/2018</a:t>
             </a:fld>
             <a:endParaRPr lang="en-US"/>
           </a:p>
@@ -2354,7 +2354,7 @@
           <a:p>
             <a:fld id="{18DCCD61-643D-44A5-A450-3A42A50CBC1E}" type="datetimeFigureOut">
               <a:rPr lang="en-US" smtClean="0"/>
-              <a:t>1/3/2018</a:t>
+              <a:t>1/4/2018</a:t>
             </a:fld>
             <a:endParaRPr lang="en-US"/>
           </a:p>
@@ -2599,7 +2599,7 @@
           <a:p>
             <a:fld id="{18DCCD61-643D-44A5-A450-3A42A50CBC1E}" type="datetimeFigureOut">
               <a:rPr lang="en-US" smtClean="0"/>
-              <a:t>1/3/2018</a:t>
+              <a:t>1/4/2018</a:t>
             </a:fld>
             <a:endParaRPr lang="en-US"/>
           </a:p>
@@ -2884,7 +2884,7 @@
           <a:p>
             <a:fld id="{18DCCD61-643D-44A5-A450-3A42A50CBC1E}" type="datetimeFigureOut">
               <a:rPr lang="en-US" smtClean="0"/>
-              <a:t>1/3/2018</a:t>
+              <a:t>1/4/2018</a:t>
             </a:fld>
             <a:endParaRPr lang="en-US"/>
           </a:p>
@@ -3303,7 +3303,7 @@
           <a:p>
             <a:fld id="{18DCCD61-643D-44A5-A450-3A42A50CBC1E}" type="datetimeFigureOut">
               <a:rPr lang="en-US" smtClean="0"/>
-              <a:t>1/3/2018</a:t>
+              <a:t>1/4/2018</a:t>
             </a:fld>
             <a:endParaRPr lang="en-US"/>
           </a:p>
@@ -3420,7 +3420,7 @@
           <a:p>
             <a:fld id="{18DCCD61-643D-44A5-A450-3A42A50CBC1E}" type="datetimeFigureOut">
               <a:rPr lang="en-US" smtClean="0"/>
-              <a:t>1/3/2018</a:t>
+              <a:t>1/4/2018</a:t>
             </a:fld>
             <a:endParaRPr lang="en-US"/>
           </a:p>
@@ -3922,7 +3922,7 @@
           <a:p>
             <a:fld id="{18DCCD61-643D-44A5-A450-3A42A50CBC1E}" type="datetimeFigureOut">
               <a:rPr lang="en-US" smtClean="0"/>
-              <a:t>1/3/2018</a:t>
+              <a:t>1/4/2018</a:t>
             </a:fld>
             <a:endParaRPr lang="en-US"/>
           </a:p>
@@ -4703,7 +4703,7 @@
         </p:nvSpPr>
         <p:spPr>
           <a:xfrm>
-            <a:off x="134883" y="1746037"/>
+            <a:off x="142676" y="1639409"/>
             <a:ext cx="2160652" cy="648072"/>
           </a:xfrm>
           <a:prstGeom prst="roundRect">
@@ -4767,7 +4767,7 @@
         </p:nvSpPr>
         <p:spPr>
           <a:xfrm>
-            <a:off x="3124047" y="1735428"/>
+            <a:off x="3131840" y="1628800"/>
             <a:ext cx="1330201" cy="648072"/>
           </a:xfrm>
           <a:prstGeom prst="roundRect">
@@ -4823,7 +4823,7 @@
         </p:nvSpPr>
         <p:spPr>
           <a:xfrm>
-            <a:off x="5400755" y="1746037"/>
+            <a:off x="5408548" y="1639409"/>
             <a:ext cx="1330193" cy="648072"/>
           </a:xfrm>
           <a:prstGeom prst="roundRect">
@@ -4879,7 +4879,7 @@
         </p:nvSpPr>
         <p:spPr>
           <a:xfrm>
-            <a:off x="7452849" y="1735428"/>
+            <a:off x="7460642" y="1628800"/>
             <a:ext cx="1330193" cy="648072"/>
           </a:xfrm>
           <a:prstGeom prst="roundRect">
@@ -4943,7 +4943,7 @@
         </p:nvSpPr>
         <p:spPr>
           <a:xfrm>
-            <a:off x="832242" y="2742533"/>
+            <a:off x="837007" y="2511250"/>
             <a:ext cx="1668232" cy="648072"/>
           </a:xfrm>
           <a:prstGeom prst="roundRect">
@@ -4999,7 +4999,7 @@
         </p:nvSpPr>
         <p:spPr>
           <a:xfrm>
-            <a:off x="832242" y="3763032"/>
+            <a:off x="837007" y="3531749"/>
             <a:ext cx="1668232" cy="648072"/>
           </a:xfrm>
           <a:prstGeom prst="roundRect">
@@ -5055,7 +5055,7 @@
         </p:nvSpPr>
         <p:spPr>
           <a:xfrm>
-            <a:off x="3526046" y="3826428"/>
+            <a:off x="3531140" y="3585381"/>
             <a:ext cx="1164193" cy="648072"/>
           </a:xfrm>
           <a:prstGeom prst="roundRect">
@@ -5115,7 +5115,7 @@
         </p:nvSpPr>
         <p:spPr>
           <a:xfrm>
-            <a:off x="832242" y="4783531"/>
+            <a:off x="824181" y="4536708"/>
             <a:ext cx="1668232" cy="648072"/>
           </a:xfrm>
           <a:prstGeom prst="roundRect">
@@ -5175,7 +5175,7 @@
         </p:nvSpPr>
         <p:spPr>
           <a:xfrm>
-            <a:off x="3526046" y="2780556"/>
+            <a:off x="3531140" y="2539509"/>
             <a:ext cx="1164197" cy="648072"/>
           </a:xfrm>
           <a:prstGeom prst="roundRect">
@@ -5235,7 +5235,7 @@
         </p:nvSpPr>
         <p:spPr>
           <a:xfrm>
-            <a:off x="3526046" y="4837401"/>
+            <a:off x="3531140" y="4596354"/>
             <a:ext cx="1178060" cy="648072"/>
           </a:xfrm>
           <a:prstGeom prst="roundRect">
@@ -5295,7 +5295,7 @@
         </p:nvSpPr>
         <p:spPr>
           <a:xfrm>
-            <a:off x="3526046" y="5806197"/>
+            <a:off x="3531140" y="5565150"/>
             <a:ext cx="1164193" cy="648072"/>
           </a:xfrm>
           <a:prstGeom prst="roundRect">
@@ -5355,7 +5355,7 @@
         </p:nvSpPr>
         <p:spPr>
           <a:xfrm>
-            <a:off x="5760289" y="2753062"/>
+            <a:off x="5783605" y="2595877"/>
             <a:ext cx="1008112" cy="648072"/>
           </a:xfrm>
           <a:prstGeom prst="roundRect">
@@ -5411,7 +5411,7 @@
         </p:nvSpPr>
         <p:spPr>
           <a:xfrm>
-            <a:off x="7760861" y="2773644"/>
+            <a:off x="7768654" y="2667016"/>
             <a:ext cx="1164200" cy="648072"/>
           </a:xfrm>
           <a:prstGeom prst="roundRect">
@@ -5475,7 +5475,7 @@
         </p:nvSpPr>
         <p:spPr>
           <a:xfrm>
-            <a:off x="7760861" y="3819144"/>
+            <a:off x="7768654" y="3712516"/>
             <a:ext cx="1164200" cy="648072"/>
           </a:xfrm>
           <a:prstGeom prst="roundRect">
@@ -5539,7 +5539,7 @@
         </p:nvSpPr>
         <p:spPr>
           <a:xfrm>
-            <a:off x="7760861" y="4839643"/>
+            <a:off x="7768654" y="4733015"/>
             <a:ext cx="1164200" cy="648072"/>
           </a:xfrm>
           <a:prstGeom prst="roundRect">
@@ -5599,7 +5599,7 @@
         </p:nvCxnSpPr>
         <p:spPr>
           <a:xfrm flipV="1">
-            <a:off x="2295535" y="2059464"/>
+            <a:off x="2303328" y="1952836"/>
             <a:ext cx="828512" cy="10609"/>
           </a:xfrm>
           <a:prstGeom prst="straightConnector1">
@@ -5641,7 +5641,7 @@
         </p:nvCxnSpPr>
         <p:spPr>
           <a:xfrm>
-            <a:off x="4454250" y="2070073"/>
+            <a:off x="4462043" y="1963445"/>
             <a:ext cx="946505" cy="0"/>
           </a:xfrm>
           <a:prstGeom prst="straightConnector1">
@@ -5684,7 +5684,7 @@
         </p:nvCxnSpPr>
         <p:spPr>
           <a:xfrm flipV="1">
-            <a:off x="6730948" y="2059464"/>
+            <a:off x="6738741" y="1952836"/>
             <a:ext cx="721901" cy="10609"/>
           </a:xfrm>
           <a:prstGeom prst="straightConnector1">
@@ -5724,9 +5724,9 @@
           <p:nvPr/>
         </p:nvCxnSpPr>
         <p:spPr>
-          <a:xfrm>
-            <a:off x="218939" y="2404718"/>
-            <a:ext cx="0" cy="2763083"/>
+          <a:xfrm flipH="1">
+            <a:off x="211103" y="2298090"/>
+            <a:ext cx="15629" cy="2571521"/>
           </a:xfrm>
           <a:prstGeom prst="line">
             <a:avLst/>
@@ -5764,7 +5764,7 @@
         </p:nvCxnSpPr>
         <p:spPr>
           <a:xfrm>
-            <a:off x="206338" y="3066569"/>
+            <a:off x="211103" y="2835286"/>
             <a:ext cx="610230" cy="0"/>
           </a:xfrm>
           <a:prstGeom prst="straightConnector1">
@@ -5805,48 +5805,7 @@
         </p:nvCxnSpPr>
         <p:spPr>
           <a:xfrm>
-            <a:off x="206338" y="4159689"/>
-            <a:ext cx="610230" cy="0"/>
-          </a:xfrm>
-          <a:prstGeom prst="straightConnector1">
-            <a:avLst/>
-          </a:prstGeom>
-          <a:ln w="28575">
-            <a:tailEnd type="triangle"/>
-          </a:ln>
-        </p:spPr>
-        <p:style>
-          <a:lnRef idx="1">
-            <a:schemeClr val="accent1"/>
-          </a:lnRef>
-          <a:fillRef idx="0">
-            <a:schemeClr val="accent1"/>
-          </a:fillRef>
-          <a:effectRef idx="0">
-            <a:schemeClr val="accent1"/>
-          </a:effectRef>
-          <a:fontRef idx="minor">
-            <a:schemeClr val="tx1"/>
-          </a:fontRef>
-        </p:style>
-      </p:cxnSp>
-      <p:cxnSp>
-        <p:nvCxnSpPr>
-          <p:cNvPr id="41" name="직선 화살표 연결선 40">
-            <a:extLst>
-              <a:ext uri="{FF2B5EF4-FFF2-40B4-BE49-F238E27FC236}">
-                <a16:creationId xmlns:a16="http://schemas.microsoft.com/office/drawing/2014/main" id="{546B7BAB-0438-43D2-BB77-68CFE71E69D3}"/>
-              </a:ext>
-            </a:extLst>
-          </p:cNvPr>
-          <p:cNvCxnSpPr>
-            <a:cxnSpLocks/>
-          </p:cNvCxnSpPr>
-          <p:nvPr/>
-        </p:nvCxnSpPr>
-        <p:spPr>
-          <a:xfrm>
-            <a:off x="218939" y="5167801"/>
+            <a:off x="211103" y="3928406"/>
             <a:ext cx="610230" cy="0"/>
           </a:xfrm>
           <a:prstGeom prst="straightConnector1">
@@ -5880,13 +5839,15 @@
               </a:ext>
             </a:extLst>
           </p:cNvPr>
-          <p:cNvCxnSpPr/>
+          <p:cNvCxnSpPr>
+            <a:cxnSpLocks/>
+          </p:cNvCxnSpPr>
           <p:nvPr/>
         </p:nvCxnSpPr>
         <p:spPr>
           <a:xfrm>
-            <a:off x="3203848" y="2394109"/>
-            <a:ext cx="0" cy="3843203"/>
+            <a:off x="3211641" y="2287481"/>
+            <a:ext cx="0" cy="3661799"/>
           </a:xfrm>
           <a:prstGeom prst="line">
             <a:avLst/>
@@ -5924,7 +5885,7 @@
         </p:nvCxnSpPr>
         <p:spPr>
           <a:xfrm>
-            <a:off x="3203848" y="3140968"/>
+            <a:off x="3211641" y="2928913"/>
             <a:ext cx="322198" cy="0"/>
           </a:xfrm>
           <a:prstGeom prst="straightConnector1">
@@ -5965,7 +5926,7 @@
         </p:nvCxnSpPr>
         <p:spPr>
           <a:xfrm>
-            <a:off x="3203848" y="4161217"/>
+            <a:off x="3211641" y="3855785"/>
             <a:ext cx="322198" cy="0"/>
           </a:xfrm>
           <a:prstGeom prst="straightConnector1">
@@ -6006,7 +5967,7 @@
         </p:nvCxnSpPr>
         <p:spPr>
           <a:xfrm>
-            <a:off x="3203848" y="5154089"/>
+            <a:off x="3211641" y="4869611"/>
             <a:ext cx="322198" cy="0"/>
           </a:xfrm>
           <a:prstGeom prst="straightConnector1">
@@ -6047,7 +6008,7 @@
         </p:nvCxnSpPr>
         <p:spPr>
           <a:xfrm>
-            <a:off x="3203848" y="6208360"/>
+            <a:off x="3211641" y="5949280"/>
             <a:ext cx="322198" cy="0"/>
           </a:xfrm>
           <a:prstGeom prst="straightConnector1">
@@ -6088,8 +6049,8 @@
         </p:nvCxnSpPr>
         <p:spPr>
           <a:xfrm>
-            <a:off x="5457544" y="2365157"/>
-            <a:ext cx="0" cy="775811"/>
+            <a:off x="5465337" y="2258529"/>
+            <a:ext cx="0" cy="670384"/>
           </a:xfrm>
           <a:prstGeom prst="line">
             <a:avLst/>
@@ -6127,7 +6088,7 @@
         </p:nvCxnSpPr>
         <p:spPr>
           <a:xfrm>
-            <a:off x="5457544" y="3140968"/>
+            <a:off x="5465337" y="2919913"/>
             <a:ext cx="322198" cy="0"/>
           </a:xfrm>
           <a:prstGeom prst="straightConnector1">
@@ -6168,7 +6129,7 @@
         </p:nvCxnSpPr>
         <p:spPr>
           <a:xfrm>
-            <a:off x="7524328" y="2394109"/>
+            <a:off x="7532121" y="2287481"/>
             <a:ext cx="0" cy="2773692"/>
           </a:xfrm>
           <a:prstGeom prst="line">
@@ -6208,7 +6169,7 @@
         </p:nvCxnSpPr>
         <p:spPr>
           <a:xfrm>
-            <a:off x="7510465" y="3097680"/>
+            <a:off x="7518258" y="2991052"/>
             <a:ext cx="250396" cy="0"/>
           </a:xfrm>
           <a:prstGeom prst="straightConnector1">
@@ -6249,7 +6210,7 @@
         </p:nvCxnSpPr>
         <p:spPr>
           <a:xfrm>
-            <a:off x="7524328" y="4171269"/>
+            <a:off x="7532121" y="4064641"/>
             <a:ext cx="250396" cy="0"/>
           </a:xfrm>
           <a:prstGeom prst="straightConnector1">
@@ -6290,8 +6251,49 @@
         </p:nvCxnSpPr>
         <p:spPr>
           <a:xfrm>
-            <a:off x="7524328" y="5167801"/>
+            <a:off x="7532121" y="5061173"/>
             <a:ext cx="250396" cy="0"/>
+          </a:xfrm>
+          <a:prstGeom prst="straightConnector1">
+            <a:avLst/>
+          </a:prstGeom>
+          <a:ln w="28575">
+            <a:tailEnd type="triangle"/>
+          </a:ln>
+        </p:spPr>
+        <p:style>
+          <a:lnRef idx="1">
+            <a:schemeClr val="accent1"/>
+          </a:lnRef>
+          <a:fillRef idx="0">
+            <a:schemeClr val="accent1"/>
+          </a:fillRef>
+          <a:effectRef idx="0">
+            <a:schemeClr val="accent1"/>
+          </a:effectRef>
+          <a:fontRef idx="minor">
+            <a:schemeClr val="tx1"/>
+          </a:fontRef>
+        </p:style>
+      </p:cxnSp>
+      <p:cxnSp>
+        <p:nvCxnSpPr>
+          <p:cNvPr id="37" name="직선 화살표 연결선 36">
+            <a:extLst>
+              <a:ext uri="{FF2B5EF4-FFF2-40B4-BE49-F238E27FC236}">
+                <a16:creationId xmlns:a16="http://schemas.microsoft.com/office/drawing/2014/main" id="{8D39E77D-287E-4068-B047-E7878B21CEDF}"/>
+              </a:ext>
+            </a:extLst>
+          </p:cNvPr>
+          <p:cNvCxnSpPr>
+            <a:cxnSpLocks/>
+          </p:cNvCxnSpPr>
+          <p:nvPr/>
+        </p:nvCxnSpPr>
+        <p:spPr>
+          <a:xfrm>
+            <a:off x="211103" y="4860744"/>
+            <a:ext cx="610230" cy="0"/>
           </a:xfrm>
           <a:prstGeom prst="straightConnector1">
             <a:avLst/>
@@ -6366,7 +6368,15 @@
             </a:r>
             <a:r>
               <a:rPr lang="ko-KR" altLang="en-US" dirty="0"/>
-              <a:t>요구사항</a:t>
+              <a:t>요구사항 </a:t>
+            </a:r>
+            <a:r>
+              <a:rPr lang="en-US" altLang="ko-KR" dirty="0"/>
+              <a:t>&amp; </a:t>
+            </a:r>
+            <a:r>
+              <a:rPr lang="ko-KR" altLang="en-US" dirty="0"/>
+              <a:t>요구추출</a:t>
             </a:r>
           </a:p>
         </p:txBody>
@@ -6412,44 +6422,401 @@
           <a:p>
             <a:r>
               <a:rPr lang="ko-KR" altLang="en-US" dirty="0"/>
-              <a:t>직원관리(직원 근태 현황 조회, </a:t>
+              <a:t>직원관리(직원 근태 현황 조회, 알바시간, 알바비용, 시급)</a:t>
+            </a:r>
+          </a:p>
+          <a:p>
+            <a:r>
+              <a:rPr lang="ko-KR" altLang="en-US" dirty="0"/>
+              <a:t>환경설정(매장명 ,</a:t>
             </a:r>
             <a:r>
               <a:rPr lang="ko-KR" altLang="en-US" dirty="0" err="1"/>
-              <a:t>알바시간,알바비용,시급</a:t>
+              <a:t>업주명</a:t>
+            </a:r>
+            <a:r>
+              <a:rPr lang="ko-KR" altLang="en-US" dirty="0"/>
+              <a:t>, 사업자번호, 주소, 전화번호관리, 비밀번호관리)</a:t>
+            </a:r>
+          </a:p>
+          <a:p>
+            <a:r>
+              <a:rPr lang="ko-KR" altLang="en-US" dirty="0"/>
+              <a:t>영수증에 매장명, 사업자번호, 주소, 전화번호가 출력될 수 있어야함. (+</a:t>
+            </a:r>
+            <a:r>
+              <a:rPr lang="ko-KR" altLang="en-US" dirty="0" err="1"/>
+              <a:t>preview</a:t>
             </a:r>
             <a:r>
               <a:rPr lang="ko-KR" altLang="en-US" dirty="0"/>
               <a:t>)</a:t>
             </a:r>
           </a:p>
-          <a:p>
+        </p:txBody>
+      </p:sp>
+      <p:sp>
+        <p:nvSpPr>
+          <p:cNvPr id="2" name="타원 1">
+            <a:extLst>
+              <a:ext uri="{FF2B5EF4-FFF2-40B4-BE49-F238E27FC236}">
+                <a16:creationId xmlns:a16="http://schemas.microsoft.com/office/drawing/2014/main" id="{639C0452-B57C-4C2F-B6EA-D44EE08C8BB4}"/>
+              </a:ext>
+            </a:extLst>
+          </p:cNvPr>
+          <p:cNvSpPr/>
+          <p:nvPr/>
+        </p:nvSpPr>
+        <p:spPr>
+          <a:xfrm>
+            <a:off x="3491880" y="5373216"/>
+            <a:ext cx="1800200" cy="1080120"/>
+          </a:xfrm>
+          <a:prstGeom prst="ellipse">
+            <a:avLst/>
+          </a:prstGeom>
+        </p:spPr>
+        <p:style>
+          <a:lnRef idx="2">
+            <a:schemeClr val="accent1">
+              <a:shade val="50000"/>
+            </a:schemeClr>
+          </a:lnRef>
+          <a:fillRef idx="1">
+            <a:schemeClr val="accent1"/>
+          </a:fillRef>
+          <a:effectRef idx="0">
+            <a:schemeClr val="accent1"/>
+          </a:effectRef>
+          <a:fontRef idx="minor">
+            <a:schemeClr val="lt1"/>
+          </a:fontRef>
+        </p:style>
+        <p:txBody>
+          <a:bodyPr rtlCol="0" anchor="ctr"/>
+          <a:lstStyle/>
+          <a:p>
+            <a:pPr algn="ctr"/>
             <a:r>
               <a:rPr lang="ko-KR" altLang="en-US" dirty="0"/>
-              <a:t>환경설정(매장명 ,</a:t>
-            </a:r>
-            <a:r>
-              <a:rPr lang="ko-KR" altLang="en-US" dirty="0" err="1"/>
-              <a:t>업주명,사업자번호,주소,전화번호관리,비밀번호관리</a:t>
-            </a:r>
+              <a:t>요구추출</a:t>
+            </a:r>
+          </a:p>
+        </p:txBody>
+      </p:sp>
+      <p:sp>
+        <p:nvSpPr>
+          <p:cNvPr id="5" name="타원 4">
+            <a:extLst>
+              <a:ext uri="{FF2B5EF4-FFF2-40B4-BE49-F238E27FC236}">
+                <a16:creationId xmlns:a16="http://schemas.microsoft.com/office/drawing/2014/main" id="{B7C1633D-F98B-495D-911D-C54FC860989F}"/>
+              </a:ext>
+            </a:extLst>
+          </p:cNvPr>
+          <p:cNvSpPr/>
+          <p:nvPr/>
+        </p:nvSpPr>
+        <p:spPr>
+          <a:xfrm>
+            <a:off x="6288372" y="3987874"/>
+            <a:ext cx="2664296" cy="1080120"/>
+          </a:xfrm>
+          <a:prstGeom prst="ellipse">
+            <a:avLst/>
+          </a:prstGeom>
+          <a:solidFill>
+            <a:schemeClr val="bg1">
+              <a:lumMod val="75000"/>
+            </a:schemeClr>
+          </a:solidFill>
+        </p:spPr>
+        <p:style>
+          <a:lnRef idx="2">
+            <a:schemeClr val="accent1">
+              <a:shade val="50000"/>
+            </a:schemeClr>
+          </a:lnRef>
+          <a:fillRef idx="1">
+            <a:schemeClr val="accent1"/>
+          </a:fillRef>
+          <a:effectRef idx="0">
+            <a:schemeClr val="accent1"/>
+          </a:effectRef>
+          <a:fontRef idx="minor">
+            <a:schemeClr val="lt1"/>
+          </a:fontRef>
+        </p:style>
+        <p:txBody>
+          <a:bodyPr rtlCol="0" anchor="ctr"/>
+          <a:lstStyle/>
+          <a:p>
+            <a:pPr algn="ctr"/>
             <a:r>
               <a:rPr lang="ko-KR" altLang="en-US" dirty="0"/>
-              <a:t>)</a:t>
-            </a:r>
-          </a:p>
-          <a:p>
+              <a:t>상품의 표준화로 </a:t>
+            </a:r>
+            <a:endParaRPr lang="en-US" altLang="ko-KR" dirty="0"/>
+          </a:p>
+          <a:p>
+            <a:pPr algn="ctr"/>
             <a:r>
               <a:rPr lang="ko-KR" altLang="en-US" dirty="0"/>
-              <a:t>영수능에 매장명, 사업자번호, 주소, 전화번호가 출력될 수 있어야함. (+</a:t>
-            </a:r>
-            <a:r>
-              <a:rPr lang="ko-KR" altLang="en-US" dirty="0" err="1"/>
-              <a:t>preview</a:t>
-            </a:r>
+              <a:t>매장관리 용이</a:t>
+            </a:r>
+          </a:p>
+        </p:txBody>
+      </p:sp>
+      <p:sp>
+        <p:nvSpPr>
+          <p:cNvPr id="6" name="타원 5">
+            <a:extLst>
+              <a:ext uri="{FF2B5EF4-FFF2-40B4-BE49-F238E27FC236}">
+                <a16:creationId xmlns:a16="http://schemas.microsoft.com/office/drawing/2014/main" id="{6FAE4DDA-A055-47F0-A746-EA3DD7D49DC7}"/>
+              </a:ext>
+            </a:extLst>
+          </p:cNvPr>
+          <p:cNvSpPr/>
+          <p:nvPr/>
+        </p:nvSpPr>
+        <p:spPr>
+          <a:xfrm>
+            <a:off x="212056" y="4005064"/>
+            <a:ext cx="2376265" cy="1080120"/>
+          </a:xfrm>
+          <a:prstGeom prst="ellipse">
+            <a:avLst/>
+          </a:prstGeom>
+          <a:solidFill>
+            <a:schemeClr val="bg1">
+              <a:lumMod val="75000"/>
+            </a:schemeClr>
+          </a:solidFill>
+        </p:spPr>
+        <p:style>
+          <a:lnRef idx="2">
+            <a:schemeClr val="accent1">
+              <a:shade val="50000"/>
+            </a:schemeClr>
+          </a:lnRef>
+          <a:fillRef idx="1">
+            <a:schemeClr val="accent1"/>
+          </a:fillRef>
+          <a:effectRef idx="0">
+            <a:schemeClr val="accent1"/>
+          </a:effectRef>
+          <a:fontRef idx="minor">
+            <a:schemeClr val="lt1"/>
+          </a:fontRef>
+        </p:style>
+        <p:txBody>
+          <a:bodyPr rtlCol="0" anchor="ctr"/>
+          <a:lstStyle/>
+          <a:p>
+            <a:pPr algn="ctr"/>
             <a:r>
               <a:rPr lang="ko-KR" altLang="en-US" dirty="0"/>
-              <a:t>)</a:t>
-            </a:r>
+              <a:t>매출 분석 및 </a:t>
+            </a:r>
+            <a:endParaRPr lang="en-US" altLang="ko-KR" dirty="0"/>
+          </a:p>
+          <a:p>
+            <a:pPr algn="ctr"/>
+            <a:r>
+              <a:rPr lang="ko-KR" altLang="en-US" dirty="0"/>
+              <a:t>재고관리 가능</a:t>
+            </a:r>
+          </a:p>
+        </p:txBody>
+      </p:sp>
+      <p:sp>
+        <p:nvSpPr>
+          <p:cNvPr id="7" name="타원 6">
+            <a:extLst>
+              <a:ext uri="{FF2B5EF4-FFF2-40B4-BE49-F238E27FC236}">
+                <a16:creationId xmlns:a16="http://schemas.microsoft.com/office/drawing/2014/main" id="{DE1C47D5-B07E-4142-8A11-B9CA67E19A16}"/>
+              </a:ext>
+            </a:extLst>
+          </p:cNvPr>
+          <p:cNvSpPr/>
+          <p:nvPr/>
+        </p:nvSpPr>
+        <p:spPr>
+          <a:xfrm>
+            <a:off x="3455876" y="2959785"/>
+            <a:ext cx="1872208" cy="1080120"/>
+          </a:xfrm>
+          <a:prstGeom prst="ellipse">
+            <a:avLst/>
+          </a:prstGeom>
+          <a:solidFill>
+            <a:schemeClr val="bg1">
+              <a:lumMod val="75000"/>
+            </a:schemeClr>
+          </a:solidFill>
+        </p:spPr>
+        <p:style>
+          <a:lnRef idx="2">
+            <a:schemeClr val="accent1">
+              <a:shade val="50000"/>
+            </a:schemeClr>
+          </a:lnRef>
+          <a:fillRef idx="1">
+            <a:schemeClr val="accent1"/>
+          </a:fillRef>
+          <a:effectRef idx="0">
+            <a:schemeClr val="accent1"/>
+          </a:effectRef>
+          <a:fontRef idx="minor">
+            <a:schemeClr val="lt1"/>
+          </a:fontRef>
+        </p:style>
+        <p:txBody>
+          <a:bodyPr rtlCol="0" anchor="ctr"/>
+          <a:lstStyle/>
+          <a:p>
+            <a:pPr algn="ctr"/>
+            <a:r>
+              <a:rPr lang="ko-KR" altLang="en-US" dirty="0"/>
+              <a:t>효율적인 인력관리</a:t>
+            </a:r>
+          </a:p>
+        </p:txBody>
+      </p:sp>
+      <p:sp>
+        <p:nvSpPr>
+          <p:cNvPr id="9" name="화살표: 오른쪽 8">
+            <a:extLst>
+              <a:ext uri="{FF2B5EF4-FFF2-40B4-BE49-F238E27FC236}">
+                <a16:creationId xmlns:a16="http://schemas.microsoft.com/office/drawing/2014/main" id="{6A0A5826-847D-4889-B29A-1307E4ED3843}"/>
+              </a:ext>
+            </a:extLst>
+          </p:cNvPr>
+          <p:cNvSpPr/>
+          <p:nvPr/>
+        </p:nvSpPr>
+        <p:spPr>
+          <a:xfrm rot="1815405">
+            <a:off x="2605955" y="4676849"/>
+            <a:ext cx="684076" cy="756084"/>
+          </a:xfrm>
+          <a:prstGeom prst="rightArrow">
+            <a:avLst/>
+          </a:prstGeom>
+        </p:spPr>
+        <p:style>
+          <a:lnRef idx="2">
+            <a:schemeClr val="accent1">
+              <a:shade val="50000"/>
+            </a:schemeClr>
+          </a:lnRef>
+          <a:fillRef idx="1">
+            <a:schemeClr val="accent1"/>
+          </a:fillRef>
+          <a:effectRef idx="0">
+            <a:schemeClr val="accent1"/>
+          </a:effectRef>
+          <a:fontRef idx="minor">
+            <a:schemeClr val="lt1"/>
+          </a:fontRef>
+        </p:style>
+        <p:txBody>
+          <a:bodyPr rtlCol="0" anchor="ctr"/>
+          <a:lstStyle/>
+          <a:p>
+            <a:pPr algn="ctr"/>
+            <a:endParaRPr lang="ko-KR" altLang="en-US"/>
+          </a:p>
+        </p:txBody>
+      </p:sp>
+      <p:sp>
+        <p:nvSpPr>
+          <p:cNvPr id="10" name="화살표: 오른쪽 9">
+            <a:extLst>
+              <a:ext uri="{FF2B5EF4-FFF2-40B4-BE49-F238E27FC236}">
+                <a16:creationId xmlns:a16="http://schemas.microsoft.com/office/drawing/2014/main" id="{14122EA2-1C5C-4062-A7AD-F03BBE4A1BEF}"/>
+              </a:ext>
+            </a:extLst>
+          </p:cNvPr>
+          <p:cNvSpPr/>
+          <p:nvPr/>
+        </p:nvSpPr>
+        <p:spPr>
+          <a:xfrm rot="5400000">
+            <a:off x="4010358" y="4208254"/>
+            <a:ext cx="684076" cy="756084"/>
+          </a:xfrm>
+          <a:prstGeom prst="rightArrow">
+            <a:avLst/>
+          </a:prstGeom>
+        </p:spPr>
+        <p:style>
+          <a:lnRef idx="2">
+            <a:schemeClr val="accent1">
+              <a:shade val="50000"/>
+            </a:schemeClr>
+          </a:lnRef>
+          <a:fillRef idx="1">
+            <a:schemeClr val="accent1"/>
+          </a:fillRef>
+          <a:effectRef idx="0">
+            <a:schemeClr val="accent1"/>
+          </a:effectRef>
+          <a:fontRef idx="minor">
+            <a:schemeClr val="lt1"/>
+          </a:fontRef>
+        </p:style>
+        <p:txBody>
+          <a:bodyPr rtlCol="0" anchor="ctr"/>
+          <a:lstStyle/>
+          <a:p>
+            <a:pPr algn="ctr"/>
+            <a:endParaRPr lang="ko-KR" altLang="en-US"/>
+          </a:p>
+        </p:txBody>
+      </p:sp>
+      <p:sp>
+        <p:nvSpPr>
+          <p:cNvPr id="11" name="화살표: 오른쪽 10">
+            <a:extLst>
+              <a:ext uri="{FF2B5EF4-FFF2-40B4-BE49-F238E27FC236}">
+                <a16:creationId xmlns:a16="http://schemas.microsoft.com/office/drawing/2014/main" id="{881BF764-9489-440C-A31D-C1F386B23D11}"/>
+              </a:ext>
+            </a:extLst>
+          </p:cNvPr>
+          <p:cNvSpPr/>
+          <p:nvPr/>
+        </p:nvSpPr>
+        <p:spPr>
+          <a:xfrm rot="8395792">
+            <a:off x="5584139" y="4724470"/>
+            <a:ext cx="684076" cy="756084"/>
+          </a:xfrm>
+          <a:prstGeom prst="rightArrow">
+            <a:avLst/>
+          </a:prstGeom>
+        </p:spPr>
+        <p:style>
+          <a:lnRef idx="2">
+            <a:schemeClr val="accent1">
+              <a:shade val="50000"/>
+            </a:schemeClr>
+          </a:lnRef>
+          <a:fillRef idx="1">
+            <a:schemeClr val="accent1"/>
+          </a:fillRef>
+          <a:effectRef idx="0">
+            <a:schemeClr val="accent1"/>
+          </a:effectRef>
+          <a:fontRef idx="minor">
+            <a:schemeClr val="lt1"/>
+          </a:fontRef>
+        </p:style>
+        <p:txBody>
+          <a:bodyPr rtlCol="0" anchor="ctr"/>
+          <a:lstStyle/>
+          <a:p>
+            <a:pPr algn="ctr"/>
+            <a:endParaRPr lang="ko-KR" altLang="en-US"/>
           </a:p>
         </p:txBody>
       </p:sp>
@@ -6509,6 +6876,36 @@
           </a:p>
         </p:txBody>
       </p:sp>
+      <p:pic>
+        <p:nvPicPr>
+          <p:cNvPr id="2" name="그림 1">
+            <a:extLst>
+              <a:ext uri="{FF2B5EF4-FFF2-40B4-BE49-F238E27FC236}">
+                <a16:creationId xmlns:a16="http://schemas.microsoft.com/office/drawing/2014/main" id="{344A422B-1041-434D-B15F-CD342F9C7D54}"/>
+              </a:ext>
+            </a:extLst>
+          </p:cNvPr>
+          <p:cNvPicPr>
+            <a:picLocks noChangeAspect="1"/>
+          </p:cNvPicPr>
+          <p:nvPr/>
+        </p:nvPicPr>
+        <p:blipFill>
+          <a:blip r:embed="rId2"/>
+          <a:stretch>
+            <a:fillRect/>
+          </a:stretch>
+        </p:blipFill>
+        <p:spPr>
+          <a:xfrm>
+            <a:off x="0" y="1793288"/>
+            <a:ext cx="9144000" cy="3939967"/>
+          </a:xfrm>
+          <a:prstGeom prst="rect">
+            <a:avLst/>
+          </a:prstGeom>
+        </p:spPr>
+      </p:pic>
     </p:spTree>
     <p:extLst>
       <p:ext uri="{BB962C8B-B14F-4D97-AF65-F5344CB8AC3E}">
@@ -6567,10 +6964,10 @@
       </p:sp>
       <p:pic>
         <p:nvPicPr>
-          <p:cNvPr id="2" name="그림 1">
+          <p:cNvPr id="3" name="그림 2">
             <a:extLst>
               <a:ext uri="{FF2B5EF4-FFF2-40B4-BE49-F238E27FC236}">
-                <a16:creationId xmlns:a16="http://schemas.microsoft.com/office/drawing/2014/main" id="{012FB95C-54AF-49BB-B6F1-CE2EF6A3A2C7}"/>
+                <a16:creationId xmlns:a16="http://schemas.microsoft.com/office/drawing/2014/main" id="{29F245B2-7E17-49B8-B103-98782F91BE7D}"/>
               </a:ext>
             </a:extLst>
           </p:cNvPr>
@@ -6587,8 +6984,8 @@
         </p:blipFill>
         <p:spPr>
           <a:xfrm>
-            <a:off x="539552" y="1196752"/>
-            <a:ext cx="7920880" cy="5324475"/>
+            <a:off x="539552" y="1268760"/>
+            <a:ext cx="7848872" cy="5381446"/>
           </a:xfrm>
           <a:prstGeom prst="rect">
             <a:avLst/>
@@ -6651,6 +7048,36 @@
           </a:p>
         </p:txBody>
       </p:sp>
+      <p:pic>
+        <p:nvPicPr>
+          <p:cNvPr id="2" name="그림 1">
+            <a:extLst>
+              <a:ext uri="{FF2B5EF4-FFF2-40B4-BE49-F238E27FC236}">
+                <a16:creationId xmlns:a16="http://schemas.microsoft.com/office/drawing/2014/main" id="{65F6DC36-CD26-424E-BF40-CCA2ADC9B532}"/>
+              </a:ext>
+            </a:extLst>
+          </p:cNvPr>
+          <p:cNvPicPr>
+            <a:picLocks noChangeAspect="1"/>
+          </p:cNvPicPr>
+          <p:nvPr/>
+        </p:nvPicPr>
+        <p:blipFill>
+          <a:blip r:embed="rId2"/>
+          <a:stretch>
+            <a:fillRect/>
+          </a:stretch>
+        </p:blipFill>
+        <p:spPr>
+          <a:xfrm>
+            <a:off x="827584" y="1700808"/>
+            <a:ext cx="7324803" cy="4392488"/>
+          </a:xfrm>
+          <a:prstGeom prst="rect">
+            <a:avLst/>
+          </a:prstGeom>
+        </p:spPr>
+      </p:pic>
     </p:spTree>
     <p:extLst>
       <p:ext uri="{BB962C8B-B14F-4D97-AF65-F5344CB8AC3E}">
